--- a/images/theory_analysis/AWS_Spark_on_EKS/AWS_Spark_on_EKS.pptx
+++ b/images/theory_analysis/AWS_Spark_on_EKS/AWS_Spark_on_EKS.pptx
@@ -216,7 +216,7 @@
           <a:p>
             <a:fld id="{6CD5550B-26C4-49A9-A5BA-636EF7BE6CE9}" type="datetimeFigureOut">
               <a:rPr lang="ko-KR" altLang="en-US" smtClean="0"/>
-              <a:t>2023. 7. 31.</a:t>
+              <a:t>2023. 8. 18.</a:t>
             </a:fld>
             <a:endParaRPr lang="ko-KR" altLang="en-US"/>
           </a:p>
@@ -914,7 +914,7 @@
           <a:p>
             <a:fld id="{FB30EDBD-1C2D-4C1E-B459-B60219FAB484}" type="datetimeFigureOut">
               <a:rPr lang="ko-KR" altLang="en-US" smtClean="0"/>
-              <a:t>2023. 7. 31.</a:t>
+              <a:t>2023. 8. 18.</a:t>
             </a:fld>
             <a:endParaRPr lang="ko-KR" altLang="en-US"/>
           </a:p>
@@ -1077,7 +1077,7 @@
           <a:p>
             <a:fld id="{FB30EDBD-1C2D-4C1E-B459-B60219FAB484}" type="datetimeFigureOut">
               <a:rPr lang="ko-KR" altLang="en-US" smtClean="0"/>
-              <a:t>2023. 7. 31.</a:t>
+              <a:t>2023. 8. 18.</a:t>
             </a:fld>
             <a:endParaRPr lang="ko-KR" altLang="en-US"/>
           </a:p>
@@ -1250,7 +1250,7 @@
           <a:p>
             <a:fld id="{FB30EDBD-1C2D-4C1E-B459-B60219FAB484}" type="datetimeFigureOut">
               <a:rPr lang="ko-KR" altLang="en-US" smtClean="0"/>
-              <a:t>2023. 7. 31.</a:t>
+              <a:t>2023. 8. 18.</a:t>
             </a:fld>
             <a:endParaRPr lang="ko-KR" altLang="en-US"/>
           </a:p>
@@ -1413,7 +1413,7 @@
           <a:p>
             <a:fld id="{FB30EDBD-1C2D-4C1E-B459-B60219FAB484}" type="datetimeFigureOut">
               <a:rPr lang="ko-KR" altLang="en-US" smtClean="0"/>
-              <a:t>2023. 7. 31.</a:t>
+              <a:t>2023. 8. 18.</a:t>
             </a:fld>
             <a:endParaRPr lang="ko-KR" altLang="en-US"/>
           </a:p>
@@ -1653,7 +1653,7 @@
           <a:p>
             <a:fld id="{FB30EDBD-1C2D-4C1E-B459-B60219FAB484}" type="datetimeFigureOut">
               <a:rPr lang="ko-KR" altLang="en-US" smtClean="0"/>
-              <a:t>2023. 7. 31.</a:t>
+              <a:t>2023. 8. 18.</a:t>
             </a:fld>
             <a:endParaRPr lang="ko-KR" altLang="en-US"/>
           </a:p>
@@ -1933,7 +1933,7 @@
           <a:p>
             <a:fld id="{FB30EDBD-1C2D-4C1E-B459-B60219FAB484}" type="datetimeFigureOut">
               <a:rPr lang="ko-KR" altLang="en-US" smtClean="0"/>
-              <a:t>2023. 7. 31.</a:t>
+              <a:t>2023. 8. 18.</a:t>
             </a:fld>
             <a:endParaRPr lang="ko-KR" altLang="en-US"/>
           </a:p>
@@ -2347,7 +2347,7 @@
           <a:p>
             <a:fld id="{FB30EDBD-1C2D-4C1E-B459-B60219FAB484}" type="datetimeFigureOut">
               <a:rPr lang="ko-KR" altLang="en-US" smtClean="0"/>
-              <a:t>2023. 7. 31.</a:t>
+              <a:t>2023. 8. 18.</a:t>
             </a:fld>
             <a:endParaRPr lang="ko-KR" altLang="en-US"/>
           </a:p>
@@ -2459,7 +2459,7 @@
           <a:p>
             <a:fld id="{FB30EDBD-1C2D-4C1E-B459-B60219FAB484}" type="datetimeFigureOut">
               <a:rPr lang="ko-KR" altLang="en-US" smtClean="0"/>
-              <a:t>2023. 7. 31.</a:t>
+              <a:t>2023. 8. 18.</a:t>
             </a:fld>
             <a:endParaRPr lang="ko-KR" altLang="en-US"/>
           </a:p>
@@ -2549,7 +2549,7 @@
           <a:p>
             <a:fld id="{FB30EDBD-1C2D-4C1E-B459-B60219FAB484}" type="datetimeFigureOut">
               <a:rPr lang="ko-KR" altLang="en-US" smtClean="0"/>
-              <a:t>2023. 7. 31.</a:t>
+              <a:t>2023. 8. 18.</a:t>
             </a:fld>
             <a:endParaRPr lang="ko-KR" altLang="en-US"/>
           </a:p>
@@ -2819,7 +2819,7 @@
           <a:p>
             <a:fld id="{FB30EDBD-1C2D-4C1E-B459-B60219FAB484}" type="datetimeFigureOut">
               <a:rPr lang="ko-KR" altLang="en-US" smtClean="0"/>
-              <a:t>2023. 7. 31.</a:t>
+              <a:t>2023. 8. 18.</a:t>
             </a:fld>
             <a:endParaRPr lang="ko-KR" altLang="en-US"/>
           </a:p>
@@ -3066,7 +3066,7 @@
           <a:p>
             <a:fld id="{FB30EDBD-1C2D-4C1E-B459-B60219FAB484}" type="datetimeFigureOut">
               <a:rPr lang="ko-KR" altLang="en-US" smtClean="0"/>
-              <a:t>2023. 7. 31.</a:t>
+              <a:t>2023. 8. 18.</a:t>
             </a:fld>
             <a:endParaRPr lang="ko-KR" altLang="en-US"/>
           </a:p>
@@ -3272,7 +3272,7 @@
           <a:p>
             <a:fld id="{FB30EDBD-1C2D-4C1E-B459-B60219FAB484}" type="datetimeFigureOut">
               <a:rPr lang="ko-KR" altLang="en-US" smtClean="0"/>
-              <a:t>2023. 7. 31.</a:t>
+              <a:t>2023. 8. 18.</a:t>
             </a:fld>
             <a:endParaRPr lang="ko-KR" altLang="en-US"/>
           </a:p>
@@ -6305,16 +6305,15 @@
             <a:pPr algn="ctr"/>
             <a:r>
               <a:rPr lang="en-US" altLang="ko-KR" sz="800"/>
-              <a:t>Executor Config</a:t>
+              <a:t>Driver Service</a:t>
             </a:r>
           </a:p>
           <a:p>
             <a:pPr algn="ctr"/>
             <a:r>
               <a:rPr lang="en-US" altLang="ko-KR" sz="800"/>
-              <a:t>/ ConfigMap</a:t>
-            </a:r>
-            <a:endParaRPr lang="ko-KR" altLang="en-US" sz="800"/>
+              <a:t>/ Service (Headless)</a:t>
+            </a:r>
           </a:p>
         </p:txBody>
       </p:sp>
@@ -7021,13 +7020,12 @@
           </p:cNvPr>
           <p:cNvCxnSpPr>
             <a:cxnSpLocks/>
-            <a:endCxn id="1071" idx="2"/>
           </p:cNvCxnSpPr>
           <p:nvPr/>
         </p:nvCxnSpPr>
         <p:spPr>
           <a:xfrm flipV="1">
-            <a:off x="7198262" y="2754838"/>
+            <a:off x="6228184" y="2754838"/>
             <a:ext cx="0" cy="134737"/>
           </a:xfrm>
           <a:prstGeom prst="straightConnector1">
@@ -9190,14 +9188,14 @@
             <a:pPr algn="ctr"/>
             <a:r>
               <a:rPr lang="en-US" altLang="ko-KR" sz="800"/>
-              <a:t>Driver Service</a:t>
+              <a:t>Executor Config</a:t>
             </a:r>
           </a:p>
           <a:p>
             <a:pPr algn="ctr"/>
             <a:r>
               <a:rPr lang="en-US" altLang="ko-KR" sz="800"/>
-              <a:t>/ Service (Headless)</a:t>
+              <a:t>/ ConfigMap</a:t>
             </a:r>
             <a:endParaRPr lang="ko-KR" altLang="en-US" sz="800"/>
           </a:p>
@@ -9226,7 +9224,7 @@
           </a:xfrm>
           <a:prstGeom prst="bentConnector3">
             <a:avLst>
-              <a:gd name="adj1" fmla="val 50000"/>
+              <a:gd name="adj1" fmla="val 41833"/>
             </a:avLst>
           </a:prstGeom>
           <a:ln>
@@ -9326,8 +9324,8 @@
         </p:nvSpPr>
         <p:spPr>
           <a:xfrm>
-            <a:off x="4677050" y="2714849"/>
-            <a:ext cx="1294106" cy="215444"/>
+            <a:off x="3675649" y="2740371"/>
+            <a:ext cx="2031361" cy="215444"/>
           </a:xfrm>
           <a:prstGeom prst="rect">
             <a:avLst/>
@@ -9347,7 +9345,7 @@
                   <a:schemeClr val="tx2"/>
                 </a:solidFill>
               </a:rPr>
-              <a:t>Create driver service</a:t>
+              <a:t>Create driver service &amp; executor Config</a:t>
             </a:r>
           </a:p>
         </p:txBody>
@@ -9363,13 +9361,14 @@
           </p:cNvPr>
           <p:cNvCxnSpPr>
             <a:cxnSpLocks/>
+            <a:stCxn id="29" idx="0"/>
           </p:cNvCxnSpPr>
           <p:nvPr/>
         </p:nvCxnSpPr>
         <p:spPr>
           <a:xfrm flipV="1">
-            <a:off x="6197850" y="2759597"/>
-            <a:ext cx="0" cy="147815"/>
+            <a:off x="7390094" y="2753093"/>
+            <a:ext cx="0" cy="114819"/>
           </a:xfrm>
           <a:prstGeom prst="straightConnector1">
             <a:avLst/>
@@ -9410,7 +9409,7 @@
         </p:nvSpPr>
         <p:spPr>
           <a:xfrm>
-            <a:off x="6095866" y="2867912"/>
+            <a:off x="7282082" y="2867912"/>
             <a:ext cx="216024" cy="216024"/>
           </a:xfrm>
           <a:prstGeom prst="ellipse">
@@ -9526,7 +9525,7 @@
         </p:nvSpPr>
         <p:spPr>
           <a:xfrm>
-            <a:off x="6196019" y="2706267"/>
+            <a:off x="7396406" y="2706267"/>
             <a:ext cx="755335" cy="338554"/>
           </a:xfrm>
           <a:prstGeom prst="rect">
@@ -9657,6 +9656,54 @@
           </a:p>
         </p:txBody>
       </p:sp>
+      <p:cxnSp>
+        <p:nvCxnSpPr>
+          <p:cNvPr id="11" name="Elbow Connector 10">
+            <a:extLst>
+              <a:ext uri="{FF2B5EF4-FFF2-40B4-BE49-F238E27FC236}">
+                <a16:creationId xmlns:a16="http://schemas.microsoft.com/office/drawing/2014/main" id="{502A174C-E4E1-288A-177E-E61E502D4D52}"/>
+              </a:ext>
+            </a:extLst>
+          </p:cNvPr>
+          <p:cNvCxnSpPr>
+            <a:cxnSpLocks/>
+            <a:stCxn id="1285" idx="0"/>
+            <a:endCxn id="1071" idx="2"/>
+          </p:cNvCxnSpPr>
+          <p:nvPr/>
+        </p:nvCxnSpPr>
+        <p:spPr>
+          <a:xfrm rot="5400000" flipH="1" flipV="1">
+            <a:off x="4672893" y="549061"/>
+            <a:ext cx="319591" cy="4731147"/>
+          </a:xfrm>
+          <a:prstGeom prst="bentConnector3">
+            <a:avLst>
+              <a:gd name="adj1" fmla="val 43312"/>
+            </a:avLst>
+          </a:prstGeom>
+          <a:ln>
+            <a:solidFill>
+              <a:schemeClr val="tx2"/>
+            </a:solidFill>
+            <a:tailEnd type="triangle"/>
+          </a:ln>
+        </p:spPr>
+        <p:style>
+          <a:lnRef idx="1">
+            <a:schemeClr val="dk1"/>
+          </a:lnRef>
+          <a:fillRef idx="0">
+            <a:schemeClr val="dk1"/>
+          </a:fillRef>
+          <a:effectRef idx="0">
+            <a:schemeClr val="dk1"/>
+          </a:effectRef>
+          <a:fontRef idx="minor">
+            <a:schemeClr val="tx1"/>
+          </a:fontRef>
+        </p:style>
+      </p:cxnSp>
     </p:spTree>
     <p:extLst>
       <p:ext uri="{BB962C8B-B14F-4D97-AF65-F5344CB8AC3E}">

--- a/images/theory_analysis/AWS_Spark_on_EKS/AWS_Spark_on_EKS.pptx
+++ b/images/theory_analysis/AWS_Spark_on_EKS/AWS_Spark_on_EKS.pptx
@@ -216,7 +216,7 @@
           <a:p>
             <a:fld id="{6CD5550B-26C4-49A9-A5BA-636EF7BE6CE9}" type="datetimeFigureOut">
               <a:rPr lang="ko-KR" altLang="en-US" smtClean="0"/>
-              <a:t>2023. 8. 18.</a:t>
+              <a:t>2023. 8. 20.</a:t>
             </a:fld>
             <a:endParaRPr lang="ko-KR" altLang="en-US"/>
           </a:p>
@@ -914,7 +914,7 @@
           <a:p>
             <a:fld id="{FB30EDBD-1C2D-4C1E-B459-B60219FAB484}" type="datetimeFigureOut">
               <a:rPr lang="ko-KR" altLang="en-US" smtClean="0"/>
-              <a:t>2023. 8. 18.</a:t>
+              <a:t>2023. 8. 20.</a:t>
             </a:fld>
             <a:endParaRPr lang="ko-KR" altLang="en-US"/>
           </a:p>
@@ -1077,7 +1077,7 @@
           <a:p>
             <a:fld id="{FB30EDBD-1C2D-4C1E-B459-B60219FAB484}" type="datetimeFigureOut">
               <a:rPr lang="ko-KR" altLang="en-US" smtClean="0"/>
-              <a:t>2023. 8. 18.</a:t>
+              <a:t>2023. 8. 20.</a:t>
             </a:fld>
             <a:endParaRPr lang="ko-KR" altLang="en-US"/>
           </a:p>
@@ -1250,7 +1250,7 @@
           <a:p>
             <a:fld id="{FB30EDBD-1C2D-4C1E-B459-B60219FAB484}" type="datetimeFigureOut">
               <a:rPr lang="ko-KR" altLang="en-US" smtClean="0"/>
-              <a:t>2023. 8. 18.</a:t>
+              <a:t>2023. 8. 20.</a:t>
             </a:fld>
             <a:endParaRPr lang="ko-KR" altLang="en-US"/>
           </a:p>
@@ -1413,7 +1413,7 @@
           <a:p>
             <a:fld id="{FB30EDBD-1C2D-4C1E-B459-B60219FAB484}" type="datetimeFigureOut">
               <a:rPr lang="ko-KR" altLang="en-US" smtClean="0"/>
-              <a:t>2023. 8. 18.</a:t>
+              <a:t>2023. 8. 20.</a:t>
             </a:fld>
             <a:endParaRPr lang="ko-KR" altLang="en-US"/>
           </a:p>
@@ -1653,7 +1653,7 @@
           <a:p>
             <a:fld id="{FB30EDBD-1C2D-4C1E-B459-B60219FAB484}" type="datetimeFigureOut">
               <a:rPr lang="ko-KR" altLang="en-US" smtClean="0"/>
-              <a:t>2023. 8. 18.</a:t>
+              <a:t>2023. 8. 20.</a:t>
             </a:fld>
             <a:endParaRPr lang="ko-KR" altLang="en-US"/>
           </a:p>
@@ -1933,7 +1933,7 @@
           <a:p>
             <a:fld id="{FB30EDBD-1C2D-4C1E-B459-B60219FAB484}" type="datetimeFigureOut">
               <a:rPr lang="ko-KR" altLang="en-US" smtClean="0"/>
-              <a:t>2023. 8. 18.</a:t>
+              <a:t>2023. 8. 20.</a:t>
             </a:fld>
             <a:endParaRPr lang="ko-KR" altLang="en-US"/>
           </a:p>
@@ -2347,7 +2347,7 @@
           <a:p>
             <a:fld id="{FB30EDBD-1C2D-4C1E-B459-B60219FAB484}" type="datetimeFigureOut">
               <a:rPr lang="ko-KR" altLang="en-US" smtClean="0"/>
-              <a:t>2023. 8. 18.</a:t>
+              <a:t>2023. 8. 20.</a:t>
             </a:fld>
             <a:endParaRPr lang="ko-KR" altLang="en-US"/>
           </a:p>
@@ -2459,7 +2459,7 @@
           <a:p>
             <a:fld id="{FB30EDBD-1C2D-4C1E-B459-B60219FAB484}" type="datetimeFigureOut">
               <a:rPr lang="ko-KR" altLang="en-US" smtClean="0"/>
-              <a:t>2023. 8. 18.</a:t>
+              <a:t>2023. 8. 20.</a:t>
             </a:fld>
             <a:endParaRPr lang="ko-KR" altLang="en-US"/>
           </a:p>
@@ -2549,7 +2549,7 @@
           <a:p>
             <a:fld id="{FB30EDBD-1C2D-4C1E-B459-B60219FAB484}" type="datetimeFigureOut">
               <a:rPr lang="ko-KR" altLang="en-US" smtClean="0"/>
-              <a:t>2023. 8. 18.</a:t>
+              <a:t>2023. 8. 20.</a:t>
             </a:fld>
             <a:endParaRPr lang="ko-KR" altLang="en-US"/>
           </a:p>
@@ -2819,7 +2819,7 @@
           <a:p>
             <a:fld id="{FB30EDBD-1C2D-4C1E-B459-B60219FAB484}" type="datetimeFigureOut">
               <a:rPr lang="ko-KR" altLang="en-US" smtClean="0"/>
-              <a:t>2023. 8. 18.</a:t>
+              <a:t>2023. 8. 20.</a:t>
             </a:fld>
             <a:endParaRPr lang="ko-KR" altLang="en-US"/>
           </a:p>
@@ -3066,7 +3066,7 @@
           <a:p>
             <a:fld id="{FB30EDBD-1C2D-4C1E-B459-B60219FAB484}" type="datetimeFigureOut">
               <a:rPr lang="ko-KR" altLang="en-US" smtClean="0"/>
-              <a:t>2023. 8. 18.</a:t>
+              <a:t>2023. 8. 20.</a:t>
             </a:fld>
             <a:endParaRPr lang="ko-KR" altLang="en-US"/>
           </a:p>
@@ -3272,7 +3272,7 @@
           <a:p>
             <a:fld id="{FB30EDBD-1C2D-4C1E-B459-B60219FAB484}" type="datetimeFigureOut">
               <a:rPr lang="ko-KR" altLang="en-US" smtClean="0"/>
-              <a:t>2023. 8. 18.</a:t>
+              <a:t>2023. 8. 20.</a:t>
             </a:fld>
             <a:endParaRPr lang="ko-KR" altLang="en-US"/>
           </a:p>
